--- a/FinalTask/Final_project_Divchur_Khrystyna.pptx
+++ b/FinalTask/Final_project_Divchur_Khrystyna.pptx
@@ -266,7 +266,7 @@
             <a:fld id="{BA543EDD-D0D2-447F-B24F-3717AF4B109D}" type="datetime1">
               <a:rPr lang="en-US" smtClean="0"/>
               <a:pPr/>
-              <a:t>6/13/2021</a:t>
+              <a:t>6/19/2021</a:t>
             </a:fld>
             <a:endParaRPr lang="en-US" dirty="0"/>
           </a:p>
@@ -471,7 +471,7 @@
             <a:fld id="{BA543EDD-D0D2-447F-B24F-3717AF4B109D}" type="datetime1">
               <a:rPr lang="en-US" smtClean="0"/>
               <a:pPr/>
-              <a:t>6/13/2021</a:t>
+              <a:t>6/19/2021</a:t>
             </a:fld>
             <a:endParaRPr lang="en-US" dirty="0"/>
           </a:p>
@@ -686,7 +686,7 @@
             <a:fld id="{BA543EDD-D0D2-447F-B24F-3717AF4B109D}" type="datetime1">
               <a:rPr lang="en-US" smtClean="0"/>
               <a:pPr/>
-              <a:t>6/13/2021</a:t>
+              <a:t>6/19/2021</a:t>
             </a:fld>
             <a:endParaRPr lang="en-US" dirty="0"/>
           </a:p>
@@ -891,7 +891,7 @@
             <a:fld id="{BA543EDD-D0D2-447F-B24F-3717AF4B109D}" type="datetime1">
               <a:rPr lang="en-US" smtClean="0"/>
               <a:pPr/>
-              <a:t>6/13/2021</a:t>
+              <a:t>6/19/2021</a:t>
             </a:fld>
             <a:endParaRPr lang="en-US" dirty="0"/>
           </a:p>
@@ -1173,7 +1173,7 @@
             <a:fld id="{BA543EDD-D0D2-447F-B24F-3717AF4B109D}" type="datetime1">
               <a:rPr lang="en-US" smtClean="0"/>
               <a:pPr/>
-              <a:t>6/13/2021</a:t>
+              <a:t>6/19/2021</a:t>
             </a:fld>
             <a:endParaRPr lang="en-US" dirty="0"/>
           </a:p>
@@ -1445,7 +1445,7 @@
             <a:fld id="{BA543EDD-D0D2-447F-B24F-3717AF4B109D}" type="datetime1">
               <a:rPr lang="en-US" smtClean="0"/>
               <a:pPr/>
-              <a:t>6/13/2021</a:t>
+              <a:t>6/19/2021</a:t>
             </a:fld>
             <a:endParaRPr lang="en-US" dirty="0"/>
           </a:p>
@@ -1864,7 +1864,7 @@
             <a:fld id="{BA543EDD-D0D2-447F-B24F-3717AF4B109D}" type="datetime1">
               <a:rPr lang="en-US" smtClean="0"/>
               <a:pPr/>
-              <a:t>6/13/2021</a:t>
+              <a:t>6/19/2021</a:t>
             </a:fld>
             <a:endParaRPr lang="en-US" dirty="0"/>
           </a:p>
@@ -2012,7 +2012,7 @@
             <a:fld id="{BA543EDD-D0D2-447F-B24F-3717AF4B109D}" type="datetime1">
               <a:rPr lang="en-US" smtClean="0"/>
               <a:pPr/>
-              <a:t>6/13/2021</a:t>
+              <a:t>6/19/2021</a:t>
             </a:fld>
             <a:endParaRPr lang="en-US" dirty="0"/>
           </a:p>
@@ -2132,7 +2132,7 @@
             <a:fld id="{BA543EDD-D0D2-447F-B24F-3717AF4B109D}" type="datetime1">
               <a:rPr lang="en-US" smtClean="0"/>
               <a:pPr/>
-              <a:t>6/13/2021</a:t>
+              <a:t>6/19/2021</a:t>
             </a:fld>
             <a:endParaRPr lang="en-US" dirty="0"/>
           </a:p>
@@ -2450,7 +2450,7 @@
             <a:fld id="{BA543EDD-D0D2-447F-B24F-3717AF4B109D}" type="datetime1">
               <a:rPr lang="en-US" smtClean="0"/>
               <a:pPr/>
-              <a:t>6/13/2021</a:t>
+              <a:t>6/19/2021</a:t>
             </a:fld>
             <a:endParaRPr lang="en-US" dirty="0"/>
           </a:p>
@@ -2745,7 +2745,7 @@
             <a:fld id="{BA543EDD-D0D2-447F-B24F-3717AF4B109D}" type="datetime1">
               <a:rPr lang="en-US" smtClean="0"/>
               <a:pPr/>
-              <a:t>6/13/2021</a:t>
+              <a:t>6/19/2021</a:t>
             </a:fld>
             <a:endParaRPr lang="en-US" dirty="0"/>
           </a:p>
@@ -2989,7 +2989,7 @@
             <a:fld id="{BA543EDD-D0D2-447F-B24F-3717AF4B109D}" type="datetime1">
               <a:rPr lang="en-US" smtClean="0"/>
               <a:pPr/>
-              <a:t>6/13/2021</a:t>
+              <a:t>6/19/2021</a:t>
             </a:fld>
             <a:endParaRPr lang="en-US" dirty="0"/>
           </a:p>
@@ -3577,7 +3577,7 @@
               <a:rPr lang="en-US" sz="2000" dirty="0">
                 <a:cs typeface="Times New Roman" panose="02020603050405020304" pitchFamily="18" charset="0"/>
               </a:rPr>
-              <a:t>(+QA, support-manager, project manager)</a:t>
+              <a:t>(+QA,QC, support-manager, project manager)</a:t>
             </a:r>
           </a:p>
           <a:p>
@@ -3833,13 +3833,13 @@
           <p:nvPr>
             <p:extLst>
               <p:ext uri="{D42A27DB-BD31-4B8C-83A1-F6EECF244321}">
-                <p14:modId xmlns:p14="http://schemas.microsoft.com/office/powerpoint/2010/main" val="3504889543"/>
+                <p14:modId xmlns:p14="http://schemas.microsoft.com/office/powerpoint/2010/main" val="3912509215"/>
               </p:ext>
             </p:extLst>
           </p:nvPr>
         </p:nvGraphicFramePr>
         <p:xfrm>
-          <a:off x="2327694" y="304801"/>
+          <a:off x="2344544" y="286344"/>
           <a:ext cx="10167458" cy="6336914"/>
         </p:xfrm>
         <a:graphic>
@@ -4013,7 +4013,7 @@
                   </a:outerShdw>
                 </a:effectLst>
               </a:rPr>
-              <a:t>Developer 1</a:t>
+              <a:t>Main Developer 1</a:t>
             </a:r>
             <a:endParaRPr lang="uk-UA" dirty="0">
               <a:ln w="0"/>
@@ -4028,54 +4028,6 @@
                 </a:outerShdw>
               </a:effectLst>
             </a:endParaRPr>
-          </a:p>
-        </p:txBody>
-      </p:sp>
-      <p:sp>
-        <p:nvSpPr>
-          <p:cNvPr id="13" name="Прямокутник: округлені кути 12">
-            <a:extLst>
-              <a:ext uri="{FF2B5EF4-FFF2-40B4-BE49-F238E27FC236}">
-                <a16:creationId xmlns:a16="http://schemas.microsoft.com/office/drawing/2014/main" id="{BA4EF9E8-DEEE-45BB-B153-DFF9128D2475}"/>
-              </a:ext>
-            </a:extLst>
-          </p:cNvPr>
-          <p:cNvSpPr/>
-          <p:nvPr/>
-        </p:nvSpPr>
-        <p:spPr>
-          <a:xfrm>
-            <a:off x="4232955" y="2122018"/>
-            <a:ext cx="1434507" cy="597406"/>
-          </a:xfrm>
-          <a:prstGeom prst="roundRect">
-            <a:avLst/>
-          </a:prstGeom>
-        </p:spPr>
-        <p:style>
-          <a:lnRef idx="2">
-            <a:schemeClr val="accent1"/>
-          </a:lnRef>
-          <a:fillRef idx="1">
-            <a:schemeClr val="lt1"/>
-          </a:fillRef>
-          <a:effectRef idx="0">
-            <a:schemeClr val="accent1"/>
-          </a:effectRef>
-          <a:fontRef idx="minor">
-            <a:schemeClr val="dk1"/>
-          </a:fontRef>
-        </p:style>
-        <p:txBody>
-          <a:bodyPr rtlCol="0" anchor="ctr"/>
-          <a:lstStyle/>
-          <a:p>
-            <a:pPr algn="ctr"/>
-            <a:r>
-              <a:rPr lang="en-US" dirty="0"/>
-              <a:t>Developer 2</a:t>
-            </a:r>
-            <a:endParaRPr lang="uk-UA" dirty="0"/>
           </a:p>
         </p:txBody>
       </p:sp>
@@ -4165,7 +4117,7 @@
         </p:nvSpPr>
         <p:spPr>
           <a:xfrm>
-            <a:off x="3603356" y="2904258"/>
+            <a:off x="4442950" y="3044773"/>
             <a:ext cx="1259197" cy="524742"/>
           </a:xfrm>
           <a:prstGeom prst="ellipse">
@@ -4223,47 +4175,6 @@
           </a:p>
         </p:txBody>
       </p:sp>
-      <p:cxnSp>
-        <p:nvCxnSpPr>
-          <p:cNvPr id="19" name="Пряма зі стрілкою 18">
-            <a:extLst>
-              <a:ext uri="{FF2B5EF4-FFF2-40B4-BE49-F238E27FC236}">
-                <a16:creationId xmlns:a16="http://schemas.microsoft.com/office/drawing/2014/main" id="{2A22AFD1-8704-42BA-ADC3-6572CCF5E53A}"/>
-              </a:ext>
-            </a:extLst>
-          </p:cNvPr>
-          <p:cNvCxnSpPr>
-            <a:cxnSpLocks/>
-          </p:cNvCxnSpPr>
-          <p:nvPr/>
-        </p:nvCxnSpPr>
-        <p:spPr>
-          <a:xfrm flipH="1">
-            <a:off x="4663854" y="2684494"/>
-            <a:ext cx="1" cy="343949"/>
-          </a:xfrm>
-          <a:prstGeom prst="straightConnector1">
-            <a:avLst/>
-          </a:prstGeom>
-          <a:ln w="76200">
-            <a:tailEnd type="triangle"/>
-          </a:ln>
-        </p:spPr>
-        <p:style>
-          <a:lnRef idx="1">
-            <a:schemeClr val="accent1"/>
-          </a:lnRef>
-          <a:fillRef idx="0">
-            <a:schemeClr val="accent1"/>
-          </a:fillRef>
-          <a:effectRef idx="0">
-            <a:schemeClr val="accent1"/>
-          </a:effectRef>
-          <a:fontRef idx="minor">
-            <a:schemeClr val="tx1"/>
-          </a:fontRef>
-        </p:style>
-      </p:cxnSp>
       <p:cxnSp>
         <p:nvCxnSpPr>
           <p:cNvPr id="21" name="Пряма зі стрілкою 20">
@@ -4775,14 +4686,14 @@
           </p:cNvPr>
           <p:cNvCxnSpPr>
             <a:cxnSpLocks/>
-            <a:endCxn id="15" idx="4"/>
+            <a:endCxn id="15" idx="3"/>
           </p:cNvCxnSpPr>
           <p:nvPr/>
         </p:nvCxnSpPr>
         <p:spPr>
           <a:xfrm flipV="1">
-            <a:off x="3676789" y="3429000"/>
-            <a:ext cx="556166" cy="400574"/>
+            <a:off x="4063585" y="3492668"/>
+            <a:ext cx="563770" cy="460120"/>
           </a:xfrm>
           <a:prstGeom prst="straightConnector1">
             <a:avLst/>
@@ -4847,31 +4758,180 @@
           </a:fontRef>
         </p:style>
       </p:cxnSp>
-      <p:cxnSp>
-        <p:nvCxnSpPr>
-          <p:cNvPr id="63" name="Пряма зі стрілкою 62">
-            <a:extLst>
-              <a:ext uri="{FF2B5EF4-FFF2-40B4-BE49-F238E27FC236}">
-                <a16:creationId xmlns:a16="http://schemas.microsoft.com/office/drawing/2014/main" id="{738DC938-D688-431D-ADE7-30BF4C87B0F6}"/>
-              </a:ext>
-            </a:extLst>
-          </p:cNvPr>
-          <p:cNvCxnSpPr>
-            <a:cxnSpLocks/>
-          </p:cNvCxnSpPr>
-          <p:nvPr/>
-        </p:nvCxnSpPr>
-        <p:spPr>
-          <a:xfrm flipH="1">
-            <a:off x="3961572" y="3382053"/>
-            <a:ext cx="657279" cy="447521"/>
-          </a:xfrm>
-          <a:prstGeom prst="straightConnector1">
-            <a:avLst/>
-          </a:prstGeom>
-          <a:ln w="38100">
-            <a:tailEnd type="triangle"/>
-          </a:ln>
+      <p:pic>
+        <p:nvPicPr>
+          <p:cNvPr id="71" name="Рисунок 70">
+            <a:extLst>
+              <a:ext uri="{FF2B5EF4-FFF2-40B4-BE49-F238E27FC236}">
+                <a16:creationId xmlns:a16="http://schemas.microsoft.com/office/drawing/2014/main" id="{7209E4D1-E5D2-4122-A3E7-596F20117BA2}"/>
+              </a:ext>
+            </a:extLst>
+          </p:cNvPr>
+          <p:cNvPicPr>
+            <a:picLocks noChangeAspect="1"/>
+          </p:cNvPicPr>
+          <p:nvPr/>
+        </p:nvPicPr>
+        <p:blipFill>
+          <a:blip r:embed="rId4"/>
+          <a:stretch>
+            <a:fillRect/>
+          </a:stretch>
+        </p:blipFill>
+        <p:spPr>
+          <a:xfrm>
+            <a:off x="1290393" y="4187419"/>
+            <a:ext cx="901645" cy="1233500"/>
+          </a:xfrm>
+          <a:prstGeom prst="rect">
+            <a:avLst/>
+          </a:prstGeom>
+        </p:spPr>
+      </p:pic>
+      <p:pic>
+        <p:nvPicPr>
+          <p:cNvPr id="73" name="Рисунок 72">
+            <a:extLst>
+              <a:ext uri="{FF2B5EF4-FFF2-40B4-BE49-F238E27FC236}">
+                <a16:creationId xmlns:a16="http://schemas.microsoft.com/office/drawing/2014/main" id="{D9247113-4E9A-43E1-84CE-06DD0EB1CEC3}"/>
+              </a:ext>
+            </a:extLst>
+          </p:cNvPr>
+          <p:cNvPicPr>
+            <a:picLocks noChangeAspect="1"/>
+          </p:cNvPicPr>
+          <p:nvPr/>
+        </p:nvPicPr>
+        <p:blipFill>
+          <a:blip r:embed="rId5"/>
+          <a:stretch>
+            <a:fillRect/>
+          </a:stretch>
+        </p:blipFill>
+        <p:spPr>
+          <a:xfrm>
+            <a:off x="1243551" y="5704793"/>
+            <a:ext cx="941802" cy="1158702"/>
+          </a:xfrm>
+          <a:prstGeom prst="rect">
+            <a:avLst/>
+          </a:prstGeom>
+        </p:spPr>
+      </p:pic>
+      <p:pic>
+        <p:nvPicPr>
+          <p:cNvPr id="80" name="Рисунок 79">
+            <a:extLst>
+              <a:ext uri="{FF2B5EF4-FFF2-40B4-BE49-F238E27FC236}">
+                <a16:creationId xmlns:a16="http://schemas.microsoft.com/office/drawing/2014/main" id="{C852779B-110E-44C8-AF8D-98BD572FF3D1}"/>
+              </a:ext>
+            </a:extLst>
+          </p:cNvPr>
+          <p:cNvPicPr>
+            <a:picLocks noChangeAspect="1"/>
+          </p:cNvPicPr>
+          <p:nvPr/>
+        </p:nvPicPr>
+        <p:blipFill>
+          <a:blip r:embed="rId6"/>
+          <a:stretch>
+            <a:fillRect/>
+          </a:stretch>
+        </p:blipFill>
+        <p:spPr>
+          <a:xfrm>
+            <a:off x="3241762" y="5704793"/>
+            <a:ext cx="826828" cy="1153207"/>
+          </a:xfrm>
+          <a:prstGeom prst="rect">
+            <a:avLst/>
+          </a:prstGeom>
+        </p:spPr>
+      </p:pic>
+      <p:pic>
+        <p:nvPicPr>
+          <p:cNvPr id="81" name="Рисунок 80">
+            <a:extLst>
+              <a:ext uri="{FF2B5EF4-FFF2-40B4-BE49-F238E27FC236}">
+                <a16:creationId xmlns:a16="http://schemas.microsoft.com/office/drawing/2014/main" id="{35A40E9D-3DC7-4B39-9513-80EAF945F248}"/>
+              </a:ext>
+            </a:extLst>
+          </p:cNvPr>
+          <p:cNvPicPr>
+            <a:picLocks noChangeAspect="1"/>
+          </p:cNvPicPr>
+          <p:nvPr/>
+        </p:nvPicPr>
+        <p:blipFill>
+          <a:blip r:embed="rId5"/>
+          <a:stretch>
+            <a:fillRect/>
+          </a:stretch>
+        </p:blipFill>
+        <p:spPr>
+          <a:xfrm>
+            <a:off x="4275899" y="5068914"/>
+            <a:ext cx="886877" cy="1091128"/>
+          </a:xfrm>
+          <a:prstGeom prst="rect">
+            <a:avLst/>
+          </a:prstGeom>
+        </p:spPr>
+      </p:pic>
+      <p:pic>
+        <p:nvPicPr>
+          <p:cNvPr id="87" name="Рисунок 86">
+            <a:extLst>
+              <a:ext uri="{FF2B5EF4-FFF2-40B4-BE49-F238E27FC236}">
+                <a16:creationId xmlns:a16="http://schemas.microsoft.com/office/drawing/2014/main" id="{B04F61F0-B968-4EF9-911A-2E5D89CEB66F}"/>
+              </a:ext>
+            </a:extLst>
+          </p:cNvPr>
+          <p:cNvPicPr>
+            <a:picLocks noChangeAspect="1"/>
+          </p:cNvPicPr>
+          <p:nvPr/>
+        </p:nvPicPr>
+        <p:blipFill>
+          <a:blip r:embed="rId7"/>
+          <a:stretch>
+            <a:fillRect/>
+          </a:stretch>
+        </p:blipFill>
+        <p:spPr>
+          <a:xfrm>
+            <a:off x="3445040" y="4158267"/>
+            <a:ext cx="888831" cy="944674"/>
+          </a:xfrm>
+          <a:prstGeom prst="rect">
+            <a:avLst/>
+          </a:prstGeom>
+        </p:spPr>
+      </p:pic>
+      <p:sp>
+        <p:nvSpPr>
+          <p:cNvPr id="92" name="Дуга 91">
+            <a:extLst>
+              <a:ext uri="{FF2B5EF4-FFF2-40B4-BE49-F238E27FC236}">
+                <a16:creationId xmlns:a16="http://schemas.microsoft.com/office/drawing/2014/main" id="{D04B6790-06CF-41ED-B572-7F4551628602}"/>
+              </a:ext>
+            </a:extLst>
+          </p:cNvPr>
+          <p:cNvSpPr/>
+          <p:nvPr/>
+        </p:nvSpPr>
+        <p:spPr>
+          <a:xfrm>
+            <a:off x="1558836" y="4209249"/>
+            <a:ext cx="2246821" cy="1211670"/>
+          </a:xfrm>
+          <a:prstGeom prst="arc">
+            <a:avLst>
+              <a:gd name="adj1" fmla="val 12832016"/>
+              <a:gd name="adj2" fmla="val 17175811"/>
+            </a:avLst>
+          </a:prstGeom>
+          <a:ln w="34925"/>
         </p:spPr>
         <p:style>
           <a:lnRef idx="1">
@@ -4887,163 +4947,21 @@
             <a:schemeClr val="tx1"/>
           </a:fontRef>
         </p:style>
-      </p:cxnSp>
-      <p:pic>
-        <p:nvPicPr>
-          <p:cNvPr id="71" name="Рисунок 70">
-            <a:extLst>
-              <a:ext uri="{FF2B5EF4-FFF2-40B4-BE49-F238E27FC236}">
-                <a16:creationId xmlns:a16="http://schemas.microsoft.com/office/drawing/2014/main" id="{7209E4D1-E5D2-4122-A3E7-596F20117BA2}"/>
-              </a:ext>
-            </a:extLst>
-          </p:cNvPr>
-          <p:cNvPicPr>
-            <a:picLocks noChangeAspect="1"/>
-          </p:cNvPicPr>
-          <p:nvPr/>
-        </p:nvPicPr>
-        <p:blipFill>
-          <a:blip r:embed="rId4"/>
-          <a:stretch>
-            <a:fillRect/>
-          </a:stretch>
-        </p:blipFill>
-        <p:spPr>
-          <a:xfrm>
-            <a:off x="1290393" y="4187419"/>
-            <a:ext cx="901645" cy="1233500"/>
-          </a:xfrm>
-          <a:prstGeom prst="rect">
-            <a:avLst/>
-          </a:prstGeom>
-        </p:spPr>
-      </p:pic>
-      <p:pic>
-        <p:nvPicPr>
-          <p:cNvPr id="73" name="Рисунок 72">
-            <a:extLst>
-              <a:ext uri="{FF2B5EF4-FFF2-40B4-BE49-F238E27FC236}">
-                <a16:creationId xmlns:a16="http://schemas.microsoft.com/office/drawing/2014/main" id="{D9247113-4E9A-43E1-84CE-06DD0EB1CEC3}"/>
-              </a:ext>
-            </a:extLst>
-          </p:cNvPr>
-          <p:cNvPicPr>
-            <a:picLocks noChangeAspect="1"/>
-          </p:cNvPicPr>
-          <p:nvPr/>
-        </p:nvPicPr>
-        <p:blipFill>
-          <a:blip r:embed="rId5"/>
-          <a:stretch>
-            <a:fillRect/>
-          </a:stretch>
-        </p:blipFill>
-        <p:spPr>
-          <a:xfrm>
-            <a:off x="1243551" y="5704793"/>
-            <a:ext cx="941802" cy="1158702"/>
-          </a:xfrm>
-          <a:prstGeom prst="rect">
-            <a:avLst/>
-          </a:prstGeom>
-        </p:spPr>
-      </p:pic>
-      <p:pic>
-        <p:nvPicPr>
-          <p:cNvPr id="80" name="Рисунок 79">
-            <a:extLst>
-              <a:ext uri="{FF2B5EF4-FFF2-40B4-BE49-F238E27FC236}">
-                <a16:creationId xmlns:a16="http://schemas.microsoft.com/office/drawing/2014/main" id="{C852779B-110E-44C8-AF8D-98BD572FF3D1}"/>
-              </a:ext>
-            </a:extLst>
-          </p:cNvPr>
-          <p:cNvPicPr>
-            <a:picLocks noChangeAspect="1"/>
-          </p:cNvPicPr>
-          <p:nvPr/>
-        </p:nvPicPr>
-        <p:blipFill>
-          <a:blip r:embed="rId6"/>
-          <a:stretch>
-            <a:fillRect/>
-          </a:stretch>
-        </p:blipFill>
-        <p:spPr>
-          <a:xfrm>
-            <a:off x="3241762" y="5704793"/>
-            <a:ext cx="826828" cy="1153207"/>
-          </a:xfrm>
-          <a:prstGeom prst="rect">
-            <a:avLst/>
-          </a:prstGeom>
-        </p:spPr>
-      </p:pic>
-      <p:pic>
-        <p:nvPicPr>
-          <p:cNvPr id="81" name="Рисунок 80">
-            <a:extLst>
-              <a:ext uri="{FF2B5EF4-FFF2-40B4-BE49-F238E27FC236}">
-                <a16:creationId xmlns:a16="http://schemas.microsoft.com/office/drawing/2014/main" id="{35A40E9D-3DC7-4B39-9513-80EAF945F248}"/>
-              </a:ext>
-            </a:extLst>
-          </p:cNvPr>
-          <p:cNvPicPr>
-            <a:picLocks noChangeAspect="1"/>
-          </p:cNvPicPr>
-          <p:nvPr/>
-        </p:nvPicPr>
-        <p:blipFill>
-          <a:blip r:embed="rId5"/>
-          <a:stretch>
-            <a:fillRect/>
-          </a:stretch>
-        </p:blipFill>
-        <p:spPr>
-          <a:xfrm>
-            <a:off x="4195035" y="4875355"/>
-            <a:ext cx="886877" cy="1091128"/>
-          </a:xfrm>
-          <a:prstGeom prst="rect">
-            <a:avLst/>
-          </a:prstGeom>
-        </p:spPr>
-      </p:pic>
-      <p:pic>
-        <p:nvPicPr>
-          <p:cNvPr id="87" name="Рисунок 86">
-            <a:extLst>
-              <a:ext uri="{FF2B5EF4-FFF2-40B4-BE49-F238E27FC236}">
-                <a16:creationId xmlns:a16="http://schemas.microsoft.com/office/drawing/2014/main" id="{B04F61F0-B968-4EF9-911A-2E5D89CEB66F}"/>
-              </a:ext>
-            </a:extLst>
-          </p:cNvPr>
-          <p:cNvPicPr>
-            <a:picLocks noChangeAspect="1"/>
-          </p:cNvPicPr>
-          <p:nvPr/>
-        </p:nvPicPr>
-        <p:blipFill>
-          <a:blip r:embed="rId7"/>
-          <a:stretch>
-            <a:fillRect/>
-          </a:stretch>
-        </p:blipFill>
-        <p:spPr>
-          <a:xfrm>
-            <a:off x="3163863" y="4214194"/>
-            <a:ext cx="888831" cy="944674"/>
-          </a:xfrm>
-          <a:prstGeom prst="rect">
-            <a:avLst/>
-          </a:prstGeom>
-        </p:spPr>
-      </p:pic>
-      <p:sp>
-        <p:nvSpPr>
-          <p:cNvPr id="92" name="Дуга 91">
-            <a:extLst>
-              <a:ext uri="{FF2B5EF4-FFF2-40B4-BE49-F238E27FC236}">
-                <a16:creationId xmlns:a16="http://schemas.microsoft.com/office/drawing/2014/main" id="{D04B6790-06CF-41ED-B572-7F4551628602}"/>
+        <p:txBody>
+          <a:bodyPr rtlCol="0" anchor="ctr"/>
+          <a:lstStyle/>
+          <a:p>
+            <a:pPr algn="ctr"/>
+            <a:endParaRPr lang="uk-UA"/>
+          </a:p>
+        </p:txBody>
+      </p:sp>
+      <p:sp>
+        <p:nvSpPr>
+          <p:cNvPr id="93" name="Дуга 92">
+            <a:extLst>
+              <a:ext uri="{FF2B5EF4-FFF2-40B4-BE49-F238E27FC236}">
+                <a16:creationId xmlns:a16="http://schemas.microsoft.com/office/drawing/2014/main" id="{97D53EA2-C170-4221-AAD9-950266257C6C}"/>
               </a:ext>
             </a:extLst>
           </p:cNvPr>
@@ -5052,16 +4970,16 @@
         </p:nvSpPr>
         <p:spPr>
           <a:xfrm>
-            <a:off x="1558836" y="4209249"/>
-            <a:ext cx="2246821" cy="1211670"/>
+            <a:off x="1204678" y="4765429"/>
+            <a:ext cx="1082938" cy="1211670"/>
           </a:xfrm>
           <a:prstGeom prst="arc">
             <a:avLst>
-              <a:gd name="adj1" fmla="val 12832016"/>
-              <a:gd name="adj2" fmla="val 19740150"/>
+              <a:gd name="adj1" fmla="val 6564202"/>
+              <a:gd name="adj2" fmla="val 14287986"/>
             </a:avLst>
           </a:prstGeom>
-          <a:ln w="34925"/>
+          <a:ln w="31750"/>
         </p:spPr>
         <p:style>
           <a:lnRef idx="1">
@@ -5088,10 +5006,10 @@
       </p:sp>
       <p:sp>
         <p:nvSpPr>
-          <p:cNvPr id="93" name="Дуга 92">
-            <a:extLst>
-              <a:ext uri="{FF2B5EF4-FFF2-40B4-BE49-F238E27FC236}">
-                <a16:creationId xmlns:a16="http://schemas.microsoft.com/office/drawing/2014/main" id="{97D53EA2-C170-4221-AAD9-950266257C6C}"/>
+          <p:cNvPr id="94" name="Дуга 93">
+            <a:extLst>
+              <a:ext uri="{FF2B5EF4-FFF2-40B4-BE49-F238E27FC236}">
+                <a16:creationId xmlns:a16="http://schemas.microsoft.com/office/drawing/2014/main" id="{D3EA083B-1A09-4621-8D33-084997478704}"/>
               </a:ext>
             </a:extLst>
           </p:cNvPr>
@@ -5100,16 +5018,16 @@
         </p:nvSpPr>
         <p:spPr>
           <a:xfrm>
-            <a:off x="1204678" y="4765429"/>
-            <a:ext cx="1082938" cy="1211670"/>
+            <a:off x="1749898" y="5909468"/>
+            <a:ext cx="1632638" cy="449613"/>
           </a:xfrm>
           <a:prstGeom prst="arc">
             <a:avLst>
-              <a:gd name="adj1" fmla="val 6564202"/>
-              <a:gd name="adj2" fmla="val 14287986"/>
+              <a:gd name="adj1" fmla="val 297750"/>
+              <a:gd name="adj2" fmla="val 9899987"/>
             </a:avLst>
           </a:prstGeom>
-          <a:ln w="31750"/>
+          <a:ln w="34925"/>
         </p:spPr>
         <p:style>
           <a:lnRef idx="1">
@@ -5136,10 +5054,10 @@
       </p:sp>
       <p:sp>
         <p:nvSpPr>
-          <p:cNvPr id="94" name="Дуга 93">
-            <a:extLst>
-              <a:ext uri="{FF2B5EF4-FFF2-40B4-BE49-F238E27FC236}">
-                <a16:creationId xmlns:a16="http://schemas.microsoft.com/office/drawing/2014/main" id="{D3EA083B-1A09-4621-8D33-084997478704}"/>
+          <p:cNvPr id="95" name="Дуга 94">
+            <a:extLst>
+              <a:ext uri="{FF2B5EF4-FFF2-40B4-BE49-F238E27FC236}">
+                <a16:creationId xmlns:a16="http://schemas.microsoft.com/office/drawing/2014/main" id="{6A261381-2061-4285-8234-8680D6B887E6}"/>
               </a:ext>
             </a:extLst>
           </p:cNvPr>
@@ -5148,16 +5066,16 @@
         </p:nvSpPr>
         <p:spPr>
           <a:xfrm>
-            <a:off x="1749898" y="5909468"/>
-            <a:ext cx="1632638" cy="449613"/>
+            <a:off x="3539392" y="5158868"/>
+            <a:ext cx="959437" cy="895779"/>
           </a:xfrm>
           <a:prstGeom prst="arc">
             <a:avLst>
-              <a:gd name="adj1" fmla="val 297750"/>
-              <a:gd name="adj2" fmla="val 9899987"/>
+              <a:gd name="adj1" fmla="val 1142071"/>
+              <a:gd name="adj2" fmla="val 5876486"/>
             </a:avLst>
           </a:prstGeom>
-          <a:ln w="34925"/>
+          <a:ln w="31750"/>
         </p:spPr>
         <p:style>
           <a:lnRef idx="1">
@@ -5184,10 +5102,10 @@
       </p:sp>
       <p:sp>
         <p:nvSpPr>
-          <p:cNvPr id="95" name="Дуга 94">
-            <a:extLst>
-              <a:ext uri="{FF2B5EF4-FFF2-40B4-BE49-F238E27FC236}">
-                <a16:creationId xmlns:a16="http://schemas.microsoft.com/office/drawing/2014/main" id="{6A261381-2061-4285-8234-8680D6B887E6}"/>
+          <p:cNvPr id="96" name="Дуга 95">
+            <a:extLst>
+              <a:ext uri="{FF2B5EF4-FFF2-40B4-BE49-F238E27FC236}">
+                <a16:creationId xmlns:a16="http://schemas.microsoft.com/office/drawing/2014/main" id="{9CF6B3B2-1097-4AE1-8C0A-15D984DF201E}"/>
               </a:ext>
             </a:extLst>
           </p:cNvPr>
@@ -5196,16 +5114,16 @@
         </p:nvSpPr>
         <p:spPr>
           <a:xfrm>
-            <a:off x="3539392" y="5158868"/>
-            <a:ext cx="959437" cy="895779"/>
+            <a:off x="3763006" y="4711872"/>
+            <a:ext cx="914400" cy="914400"/>
           </a:xfrm>
           <a:prstGeom prst="arc">
             <a:avLst>
-              <a:gd name="adj1" fmla="val 21418455"/>
-              <a:gd name="adj2" fmla="val 5876486"/>
+              <a:gd name="adj1" fmla="val 15702171"/>
+              <a:gd name="adj2" fmla="val 143157"/>
             </a:avLst>
           </a:prstGeom>
-          <a:ln w="31750"/>
+          <a:ln w="28575"/>
         </p:spPr>
         <p:style>
           <a:lnRef idx="1">
@@ -5232,54 +5150,6 @@
       </p:sp>
       <p:sp>
         <p:nvSpPr>
-          <p:cNvPr id="96" name="Дуга 95">
-            <a:extLst>
-              <a:ext uri="{FF2B5EF4-FFF2-40B4-BE49-F238E27FC236}">
-                <a16:creationId xmlns:a16="http://schemas.microsoft.com/office/drawing/2014/main" id="{9CF6B3B2-1097-4AE1-8C0A-15D984DF201E}"/>
-              </a:ext>
-            </a:extLst>
-          </p:cNvPr>
-          <p:cNvSpPr/>
-          <p:nvPr/>
-        </p:nvSpPr>
-        <p:spPr>
-          <a:xfrm>
-            <a:off x="3553893" y="4560359"/>
-            <a:ext cx="914400" cy="914400"/>
-          </a:xfrm>
-          <a:prstGeom prst="arc">
-            <a:avLst>
-              <a:gd name="adj1" fmla="val 15702171"/>
-              <a:gd name="adj2" fmla="val 143157"/>
-            </a:avLst>
-          </a:prstGeom>
-          <a:ln w="28575"/>
-        </p:spPr>
-        <p:style>
-          <a:lnRef idx="1">
-            <a:schemeClr val="accent1"/>
-          </a:lnRef>
-          <a:fillRef idx="0">
-            <a:schemeClr val="accent1"/>
-          </a:fillRef>
-          <a:effectRef idx="0">
-            <a:schemeClr val="accent1"/>
-          </a:effectRef>
-          <a:fontRef idx="minor">
-            <a:schemeClr val="tx1"/>
-          </a:fontRef>
-        </p:style>
-        <p:txBody>
-          <a:bodyPr rtlCol="0" anchor="ctr"/>
-          <a:lstStyle/>
-          <a:p>
-            <a:pPr algn="ctr"/>
-            <a:endParaRPr lang="uk-UA"/>
-          </a:p>
-        </p:txBody>
-      </p:sp>
-      <p:sp>
-        <p:nvSpPr>
           <p:cNvPr id="98" name="TextBox 97">
             <a:extLst>
               <a:ext uri="{FF2B5EF4-FFF2-40B4-BE49-F238E27FC236}">
@@ -5292,7 +5162,7 @@
         </p:nvSpPr>
         <p:spPr>
           <a:xfrm>
-            <a:off x="3837740" y="4190132"/>
+            <a:off x="4169522" y="4244376"/>
             <a:ext cx="1103059" cy="338554"/>
           </a:xfrm>
           <a:prstGeom prst="rect">
@@ -5373,11 +5243,11 @@
                   <a:schemeClr val="accent1"/>
                 </a:solidFill>
               </a:rPr>
-              <a:t>Project aim: </a:t>
+              <a:t>Project goal: </a:t>
             </a:r>
             <a:r>
               <a:rPr lang="en-US" dirty="0"/>
-              <a:t>create a website with different sections for customers. </a:t>
+              <a:t>create a website with different sections for restaurant. </a:t>
             </a:r>
           </a:p>
           <a:p>
@@ -5421,7 +5291,7 @@
                   <a:schemeClr val="accent1"/>
                 </a:solidFill>
               </a:rPr>
-              <a:t>Main aim for stakeholders: </a:t>
+              <a:t>Main goal for stakeholders: </a:t>
             </a:r>
           </a:p>
           <a:p>
@@ -5548,6 +5418,200 @@
           </a:prstGeom>
         </p:spPr>
       </p:pic>
+      <p:sp>
+        <p:nvSpPr>
+          <p:cNvPr id="7" name="Прямокутник 6">
+            <a:extLst>
+              <a:ext uri="{FF2B5EF4-FFF2-40B4-BE49-F238E27FC236}">
+                <a16:creationId xmlns:a16="http://schemas.microsoft.com/office/drawing/2014/main" id="{9EF99B64-ABD2-455B-96E2-A340A9E1A583}"/>
+              </a:ext>
+            </a:extLst>
+          </p:cNvPr>
+          <p:cNvSpPr/>
+          <p:nvPr/>
+        </p:nvSpPr>
+        <p:spPr>
+          <a:xfrm>
+            <a:off x="2453603" y="4558326"/>
+            <a:ext cx="849095" cy="461665"/>
+          </a:xfrm>
+          <a:prstGeom prst="rect">
+            <a:avLst/>
+          </a:prstGeom>
+          <a:noFill/>
+        </p:spPr>
+        <p:txBody>
+          <a:bodyPr wrap="square" lIns="91440" tIns="45720" rIns="91440" bIns="45720">
+            <a:spAutoFit/>
+          </a:bodyPr>
+          <a:lstStyle/>
+          <a:p>
+            <a:pPr algn="ctr"/>
+            <a:r>
+              <a:rPr lang="en-US" sz="1200" b="0" cap="none" spc="0" dirty="0">
+                <a:ln w="0"/>
+                <a:solidFill>
+                  <a:schemeClr val="accent6">
+                    <a:lumMod val="75000"/>
+                  </a:schemeClr>
+                </a:solidFill>
+                <a:effectLst>
+                  <a:outerShdw blurRad="38100" dist="19050" dir="2700000" algn="tl" rotWithShape="0">
+                    <a:schemeClr val="dk1">
+                      <a:alpha val="40000"/>
+                    </a:schemeClr>
+                  </a:outerShdw>
+                </a:effectLst>
+              </a:rPr>
+              <a:t>Copy</a:t>
+            </a:r>
+          </a:p>
+          <a:p>
+            <a:pPr algn="ctr"/>
+            <a:r>
+              <a:rPr lang="en-US" sz="1200" b="0" cap="none" spc="0" dirty="0">
+                <a:ln w="0"/>
+                <a:solidFill>
+                  <a:schemeClr val="accent6">
+                    <a:lumMod val="75000"/>
+                  </a:schemeClr>
+                </a:solidFill>
+                <a:effectLst>
+                  <a:outerShdw blurRad="38100" dist="19050" dir="2700000" algn="tl" rotWithShape="0">
+                    <a:schemeClr val="dk1">
+                      <a:alpha val="40000"/>
+                    </a:schemeClr>
+                  </a:outerShdw>
+                </a:effectLst>
+              </a:rPr>
+              <a:t> artifacts</a:t>
+            </a:r>
+            <a:endParaRPr lang="uk-UA" sz="1200" b="0" cap="none" spc="0" dirty="0">
+              <a:ln w="0"/>
+              <a:solidFill>
+                <a:schemeClr val="accent6">
+                  <a:lumMod val="75000"/>
+                </a:schemeClr>
+              </a:solidFill>
+              <a:effectLst>
+                <a:outerShdw blurRad="38100" dist="19050" dir="2700000" algn="tl" rotWithShape="0">
+                  <a:schemeClr val="dk1">
+                    <a:alpha val="40000"/>
+                  </a:schemeClr>
+                </a:outerShdw>
+              </a:effectLst>
+            </a:endParaRPr>
+          </a:p>
+        </p:txBody>
+      </p:sp>
+      <p:sp>
+        <p:nvSpPr>
+          <p:cNvPr id="16" name="Овал 15">
+            <a:extLst>
+              <a:ext uri="{FF2B5EF4-FFF2-40B4-BE49-F238E27FC236}">
+                <a16:creationId xmlns:a16="http://schemas.microsoft.com/office/drawing/2014/main" id="{A970D11C-E98B-4264-A7C8-1A5ABC36C85D}"/>
+              </a:ext>
+            </a:extLst>
+          </p:cNvPr>
+          <p:cNvSpPr/>
+          <p:nvPr/>
+        </p:nvSpPr>
+        <p:spPr>
+          <a:xfrm>
+            <a:off x="2610914" y="4187097"/>
+            <a:ext cx="680150" cy="437859"/>
+          </a:xfrm>
+          <a:prstGeom prst="ellipse">
+            <a:avLst/>
+          </a:prstGeom>
+        </p:spPr>
+        <p:style>
+          <a:lnRef idx="2">
+            <a:schemeClr val="accent4"/>
+          </a:lnRef>
+          <a:fillRef idx="1">
+            <a:schemeClr val="lt1"/>
+          </a:fillRef>
+          <a:effectRef idx="0">
+            <a:schemeClr val="accent4"/>
+          </a:effectRef>
+          <a:fontRef idx="minor">
+            <a:schemeClr val="dk1"/>
+          </a:fontRef>
+        </p:style>
+        <p:txBody>
+          <a:bodyPr rtlCol="0" anchor="ctr"/>
+          <a:lstStyle/>
+          <a:p>
+            <a:pPr algn="ctr"/>
+            <a:r>
+              <a:rPr lang="en-US" sz="1100" b="1" dirty="0">
+                <a:solidFill>
+                  <a:schemeClr val="accent6">
+                    <a:lumMod val="75000"/>
+                  </a:schemeClr>
+                </a:solidFill>
+              </a:rPr>
+              <a:t>Copy</a:t>
+            </a:r>
+            <a:endParaRPr lang="uk-UA" sz="1100" b="1" dirty="0">
+              <a:solidFill>
+                <a:schemeClr val="accent6">
+                  <a:lumMod val="75000"/>
+                </a:schemeClr>
+              </a:solidFill>
+            </a:endParaRPr>
+          </a:p>
+        </p:txBody>
+      </p:sp>
+      <p:sp>
+        <p:nvSpPr>
+          <p:cNvPr id="45" name="Дуга 44">
+            <a:extLst>
+              <a:ext uri="{FF2B5EF4-FFF2-40B4-BE49-F238E27FC236}">
+                <a16:creationId xmlns:a16="http://schemas.microsoft.com/office/drawing/2014/main" id="{31370077-70DF-4303-B409-7374DB3B80C8}"/>
+              </a:ext>
+            </a:extLst>
+          </p:cNvPr>
+          <p:cNvSpPr/>
+          <p:nvPr/>
+        </p:nvSpPr>
+        <p:spPr>
+          <a:xfrm>
+            <a:off x="2815744" y="4275529"/>
+            <a:ext cx="2246821" cy="1211670"/>
+          </a:xfrm>
+          <a:prstGeom prst="arc">
+            <a:avLst>
+              <a:gd name="adj1" fmla="val 12994235"/>
+              <a:gd name="adj2" fmla="val 15152628"/>
+            </a:avLst>
+          </a:prstGeom>
+          <a:ln w="34925"/>
+        </p:spPr>
+        <p:style>
+          <a:lnRef idx="1">
+            <a:schemeClr val="accent1"/>
+          </a:lnRef>
+          <a:fillRef idx="0">
+            <a:schemeClr val="accent1"/>
+          </a:fillRef>
+          <a:effectRef idx="0">
+            <a:schemeClr val="accent1"/>
+          </a:effectRef>
+          <a:fontRef idx="minor">
+            <a:schemeClr val="tx1"/>
+          </a:fontRef>
+        </p:style>
+        <p:txBody>
+          <a:bodyPr rtlCol="0" anchor="ctr"/>
+          <a:lstStyle/>
+          <a:p>
+            <a:pPr algn="ctr"/>
+            <a:endParaRPr lang="uk-UA"/>
+          </a:p>
+        </p:txBody>
+      </p:sp>
     </p:spTree>
     <p:extLst>
       <p:ext uri="{BB962C8B-B14F-4D97-AF65-F5344CB8AC3E}">
@@ -5644,12 +5708,56 @@
           </a:prstGeom>
         </p:spPr>
       </p:pic>
+      <p:sp>
+        <p:nvSpPr>
+          <p:cNvPr id="12" name="TextBox 11">
+            <a:extLst>
+              <a:ext uri="{FF2B5EF4-FFF2-40B4-BE49-F238E27FC236}">
+                <a16:creationId xmlns:a16="http://schemas.microsoft.com/office/drawing/2014/main" id="{ACABEED6-72AF-4BCB-AD1C-F3414277D756}"/>
+              </a:ext>
+            </a:extLst>
+          </p:cNvPr>
+          <p:cNvSpPr txBox="1"/>
+          <p:nvPr/>
+        </p:nvSpPr>
+        <p:spPr>
+          <a:xfrm>
+            <a:off x="1057013" y="419450"/>
+            <a:ext cx="867417" cy="369332"/>
+          </a:xfrm>
+          <a:prstGeom prst="rect">
+            <a:avLst/>
+          </a:prstGeom>
+          <a:noFill/>
+        </p:spPr>
+        <p:txBody>
+          <a:bodyPr wrap="none" rtlCol="0">
+            <a:spAutoFit/>
+          </a:bodyPr>
+          <a:lstStyle/>
+          <a:p>
+            <a:r>
+              <a:rPr lang="en-US" dirty="0">
+                <a:solidFill>
+                  <a:srgbClr val="7030A0"/>
+                </a:solidFill>
+              </a:rPr>
+              <a:t>Main.tf</a:t>
+            </a:r>
+            <a:endParaRPr lang="uk-UA" dirty="0">
+              <a:solidFill>
+                <a:srgbClr val="7030A0"/>
+              </a:solidFill>
+            </a:endParaRPr>
+          </a:p>
+        </p:txBody>
+      </p:sp>
       <p:pic>
         <p:nvPicPr>
-          <p:cNvPr id="11" name="Рисунок 10">
-            <a:extLst>
-              <a:ext uri="{FF2B5EF4-FFF2-40B4-BE49-F238E27FC236}">
-                <a16:creationId xmlns:a16="http://schemas.microsoft.com/office/drawing/2014/main" id="{E3758A3E-6439-4B0B-9273-6B8DCCEA2664}"/>
+          <p:cNvPr id="16" name="Рисунок 15">
+            <a:extLst>
+              <a:ext uri="{FF2B5EF4-FFF2-40B4-BE49-F238E27FC236}">
+                <a16:creationId xmlns:a16="http://schemas.microsoft.com/office/drawing/2014/main" id="{73DA86BC-44D2-4A1D-9649-1DBB30E5BAB4}"/>
               </a:ext>
             </a:extLst>
           </p:cNvPr>
@@ -5666,64 +5774,20 @@
         </p:blipFill>
         <p:spPr>
           <a:xfrm>
-            <a:off x="152002" y="1036016"/>
-            <a:ext cx="4205987" cy="5616454"/>
+            <a:off x="6951594" y="1140248"/>
+            <a:ext cx="4658808" cy="5044536"/>
           </a:xfrm>
           <a:prstGeom prst="rect">
             <a:avLst/>
           </a:prstGeom>
         </p:spPr>
       </p:pic>
-      <p:sp>
-        <p:nvSpPr>
-          <p:cNvPr id="12" name="TextBox 11">
-            <a:extLst>
-              <a:ext uri="{FF2B5EF4-FFF2-40B4-BE49-F238E27FC236}">
-                <a16:creationId xmlns:a16="http://schemas.microsoft.com/office/drawing/2014/main" id="{ACABEED6-72AF-4BCB-AD1C-F3414277D756}"/>
-              </a:ext>
-            </a:extLst>
-          </p:cNvPr>
-          <p:cNvSpPr txBox="1"/>
-          <p:nvPr/>
-        </p:nvSpPr>
-        <p:spPr>
-          <a:xfrm>
-            <a:off x="1057013" y="419450"/>
-            <a:ext cx="867417" cy="369332"/>
-          </a:xfrm>
-          <a:prstGeom prst="rect">
-            <a:avLst/>
-          </a:prstGeom>
-          <a:noFill/>
-        </p:spPr>
-        <p:txBody>
-          <a:bodyPr wrap="none" rtlCol="0">
-            <a:spAutoFit/>
-          </a:bodyPr>
-          <a:lstStyle/>
-          <a:p>
-            <a:r>
-              <a:rPr lang="en-US" dirty="0">
-                <a:solidFill>
-                  <a:srgbClr val="7030A0"/>
-                </a:solidFill>
-              </a:rPr>
-              <a:t>Main.tf</a:t>
-            </a:r>
-            <a:endParaRPr lang="uk-UA" dirty="0">
-              <a:solidFill>
-                <a:srgbClr val="7030A0"/>
-              </a:solidFill>
-            </a:endParaRPr>
-          </a:p>
-        </p:txBody>
-      </p:sp>
       <p:pic>
         <p:nvPicPr>
-          <p:cNvPr id="16" name="Рисунок 15">
-            <a:extLst>
-              <a:ext uri="{FF2B5EF4-FFF2-40B4-BE49-F238E27FC236}">
-                <a16:creationId xmlns:a16="http://schemas.microsoft.com/office/drawing/2014/main" id="{73DA86BC-44D2-4A1D-9649-1DBB30E5BAB4}"/>
+          <p:cNvPr id="18" name="Рисунок 17">
+            <a:extLst>
+              <a:ext uri="{FF2B5EF4-FFF2-40B4-BE49-F238E27FC236}">
+                <a16:creationId xmlns:a16="http://schemas.microsoft.com/office/drawing/2014/main" id="{4A9B70BC-E0AA-4B0D-ACE6-E70E4EE41ED2}"/>
               </a:ext>
             </a:extLst>
           </p:cNvPr>
@@ -5740,8 +5804,8 @@
         </p:blipFill>
         <p:spPr>
           <a:xfrm>
-            <a:off x="6951594" y="1140248"/>
-            <a:ext cx="4658808" cy="5044536"/>
+            <a:off x="4609760" y="2614390"/>
+            <a:ext cx="1883219" cy="1629220"/>
           </a:xfrm>
           <a:prstGeom prst="rect">
             <a:avLst/>
@@ -5750,10 +5814,10 @@
       </p:pic>
       <p:pic>
         <p:nvPicPr>
-          <p:cNvPr id="18" name="Рисунок 17">
-            <a:extLst>
-              <a:ext uri="{FF2B5EF4-FFF2-40B4-BE49-F238E27FC236}">
-                <a16:creationId xmlns:a16="http://schemas.microsoft.com/office/drawing/2014/main" id="{4A9B70BC-E0AA-4B0D-ACE6-E70E4EE41ED2}"/>
+          <p:cNvPr id="20" name="Рисунок 19">
+            <a:extLst>
+              <a:ext uri="{FF2B5EF4-FFF2-40B4-BE49-F238E27FC236}">
+                <a16:creationId xmlns:a16="http://schemas.microsoft.com/office/drawing/2014/main" id="{2572F6B1-7DEC-4A1E-BB21-12F2410FB2A9}"/>
               </a:ext>
             </a:extLst>
           </p:cNvPr>
@@ -5770,8 +5834,8 @@
         </p:blipFill>
         <p:spPr>
           <a:xfrm>
-            <a:off x="4609760" y="2614390"/>
-            <a:ext cx="1883219" cy="1629220"/>
+            <a:off x="4758022" y="4306648"/>
+            <a:ext cx="1992321" cy="2023845"/>
           </a:xfrm>
           <a:prstGeom prst="rect">
             <a:avLst/>
@@ -5780,10 +5844,10 @@
       </p:pic>
       <p:pic>
         <p:nvPicPr>
-          <p:cNvPr id="20" name="Рисунок 19">
-            <a:extLst>
-              <a:ext uri="{FF2B5EF4-FFF2-40B4-BE49-F238E27FC236}">
-                <a16:creationId xmlns:a16="http://schemas.microsoft.com/office/drawing/2014/main" id="{2572F6B1-7DEC-4A1E-BB21-12F2410FB2A9}"/>
+          <p:cNvPr id="4" name="Рисунок 3">
+            <a:extLst>
+              <a:ext uri="{FF2B5EF4-FFF2-40B4-BE49-F238E27FC236}">
+                <a16:creationId xmlns:a16="http://schemas.microsoft.com/office/drawing/2014/main" id="{E22E9D45-22A6-450E-A53B-58A42D562072}"/>
               </a:ext>
             </a:extLst>
           </p:cNvPr>
@@ -5800,8 +5864,8 @@
         </p:blipFill>
         <p:spPr>
           <a:xfrm>
-            <a:off x="4758022" y="4306648"/>
-            <a:ext cx="1992321" cy="2023845"/>
+            <a:off x="395132" y="729842"/>
+            <a:ext cx="3785032" cy="6068435"/>
           </a:xfrm>
           <a:prstGeom prst="rect">
             <a:avLst/>
@@ -6002,10 +6066,10 @@
       </p:sp>
       <p:pic>
         <p:nvPicPr>
-          <p:cNvPr id="12" name="Рисунок 11">
-            <a:extLst>
-              <a:ext uri="{FF2B5EF4-FFF2-40B4-BE49-F238E27FC236}">
-                <a16:creationId xmlns:a16="http://schemas.microsoft.com/office/drawing/2014/main" id="{B8304D13-CEB8-4E80-BD0D-A86179137E17}"/>
+          <p:cNvPr id="14" name="Рисунок 13">
+            <a:extLst>
+              <a:ext uri="{FF2B5EF4-FFF2-40B4-BE49-F238E27FC236}">
+                <a16:creationId xmlns:a16="http://schemas.microsoft.com/office/drawing/2014/main" id="{BBD326C2-873F-4DB6-8BE7-5635BA54FF89}"/>
               </a:ext>
             </a:extLst>
           </p:cNvPr>
@@ -6022,8 +6086,8 @@
         </p:blipFill>
         <p:spPr>
           <a:xfrm>
-            <a:off x="5924046" y="939069"/>
-            <a:ext cx="6206458" cy="5528345"/>
+            <a:off x="205660" y="1930135"/>
+            <a:ext cx="1312747" cy="1091733"/>
           </a:xfrm>
           <a:prstGeom prst="rect">
             <a:avLst/>
@@ -6032,10 +6096,10 @@
       </p:pic>
       <p:pic>
         <p:nvPicPr>
-          <p:cNvPr id="14" name="Рисунок 13">
-            <a:extLst>
-              <a:ext uri="{FF2B5EF4-FFF2-40B4-BE49-F238E27FC236}">
-                <a16:creationId xmlns:a16="http://schemas.microsoft.com/office/drawing/2014/main" id="{BBD326C2-873F-4DB6-8BE7-5635BA54FF89}"/>
+          <p:cNvPr id="15" name="Рисунок 14">
+            <a:extLst>
+              <a:ext uri="{FF2B5EF4-FFF2-40B4-BE49-F238E27FC236}">
+                <a16:creationId xmlns:a16="http://schemas.microsoft.com/office/drawing/2014/main" id="{5CB73D01-A33B-4192-9781-42F81D0EB944}"/>
               </a:ext>
             </a:extLst>
           </p:cNvPr>
@@ -6052,8 +6116,8 @@
         </p:blipFill>
         <p:spPr>
           <a:xfrm>
-            <a:off x="205660" y="1930135"/>
-            <a:ext cx="1312747" cy="1091733"/>
+            <a:off x="1669409" y="1936876"/>
+            <a:ext cx="1254145" cy="1084992"/>
           </a:xfrm>
           <a:prstGeom prst="rect">
             <a:avLst/>
@@ -6062,10 +6126,10 @@
       </p:pic>
       <p:pic>
         <p:nvPicPr>
-          <p:cNvPr id="15" name="Рисунок 14">
-            <a:extLst>
-              <a:ext uri="{FF2B5EF4-FFF2-40B4-BE49-F238E27FC236}">
-                <a16:creationId xmlns:a16="http://schemas.microsoft.com/office/drawing/2014/main" id="{5CB73D01-A33B-4192-9781-42F81D0EB944}"/>
+          <p:cNvPr id="16" name="Рисунок 15">
+            <a:extLst>
+              <a:ext uri="{FF2B5EF4-FFF2-40B4-BE49-F238E27FC236}">
+                <a16:creationId xmlns:a16="http://schemas.microsoft.com/office/drawing/2014/main" id="{DC6A33D1-B5C5-4888-9AB8-B2F44337692A}"/>
               </a:ext>
             </a:extLst>
           </p:cNvPr>
@@ -6082,36 +6146,6 @@
         </p:blipFill>
         <p:spPr>
           <a:xfrm>
-            <a:off x="1669409" y="1936876"/>
-            <a:ext cx="1254145" cy="1084992"/>
-          </a:xfrm>
-          <a:prstGeom prst="rect">
-            <a:avLst/>
-          </a:prstGeom>
-        </p:spPr>
-      </p:pic>
-      <p:pic>
-        <p:nvPicPr>
-          <p:cNvPr id="16" name="Рисунок 15">
-            <a:extLst>
-              <a:ext uri="{FF2B5EF4-FFF2-40B4-BE49-F238E27FC236}">
-                <a16:creationId xmlns:a16="http://schemas.microsoft.com/office/drawing/2014/main" id="{DC6A33D1-B5C5-4888-9AB8-B2F44337692A}"/>
-              </a:ext>
-            </a:extLst>
-          </p:cNvPr>
-          <p:cNvPicPr>
-            <a:picLocks noChangeAspect="1"/>
-          </p:cNvPicPr>
-          <p:nvPr/>
-        </p:nvPicPr>
-        <p:blipFill>
-          <a:blip r:embed="rId6"/>
-          <a:stretch>
-            <a:fillRect/>
-          </a:stretch>
-        </p:blipFill>
-        <p:spPr>
-          <a:xfrm>
             <a:off x="2989311" y="1839006"/>
             <a:ext cx="1254146" cy="1273990"/>
           </a:xfrm>
@@ -6135,7 +6169,7 @@
           <p:nvPr/>
         </p:nvPicPr>
         <p:blipFill>
-          <a:blip r:embed="rId7">
+          <a:blip r:embed="rId6">
             <a:extLst>
               <a:ext uri="{28A0092B-C50C-407E-A947-70E740481C1C}">
                 <a14:useLocalDpi xmlns:a14="http://schemas.microsoft.com/office/drawing/2010/main" val="0"/>
@@ -6171,7 +6205,7 @@
           <p:nvPr/>
         </p:nvPicPr>
         <p:blipFill>
-          <a:blip r:embed="rId8"/>
+          <a:blip r:embed="rId7"/>
           <a:stretch>
             <a:fillRect/>
           </a:stretch>
@@ -6249,6 +6283,36 @@
           <p:nvPr/>
         </p:nvPicPr>
         <p:blipFill>
+          <a:blip r:embed="rId8"/>
+          <a:stretch>
+            <a:fillRect/>
+          </a:stretch>
+        </p:blipFill>
+        <p:spPr>
+          <a:xfrm>
+            <a:off x="123634" y="3548543"/>
+            <a:ext cx="2384674" cy="3262867"/>
+          </a:xfrm>
+          <a:prstGeom prst="rect">
+            <a:avLst/>
+          </a:prstGeom>
+        </p:spPr>
+      </p:pic>
+      <p:pic>
+        <p:nvPicPr>
+          <p:cNvPr id="25" name="Рисунок 24">
+            <a:extLst>
+              <a:ext uri="{FF2B5EF4-FFF2-40B4-BE49-F238E27FC236}">
+                <a16:creationId xmlns:a16="http://schemas.microsoft.com/office/drawing/2014/main" id="{9D638B4F-2F4E-4676-953B-9A18FAF50DE6}"/>
+              </a:ext>
+            </a:extLst>
+          </p:cNvPr>
+          <p:cNvPicPr>
+            <a:picLocks noChangeAspect="1"/>
+          </p:cNvPicPr>
+          <p:nvPr/>
+        </p:nvPicPr>
+        <p:blipFill>
           <a:blip r:embed="rId9"/>
           <a:stretch>
             <a:fillRect/>
@@ -6256,8 +6320,8 @@
         </p:blipFill>
         <p:spPr>
           <a:xfrm>
-            <a:off x="123634" y="3548543"/>
-            <a:ext cx="2384674" cy="3262867"/>
+            <a:off x="2566916" y="4798057"/>
+            <a:ext cx="3188641" cy="1027033"/>
           </a:xfrm>
           <a:prstGeom prst="rect">
             <a:avLst/>
@@ -6266,10 +6330,10 @@
       </p:pic>
       <p:pic>
         <p:nvPicPr>
-          <p:cNvPr id="25" name="Рисунок 24">
-            <a:extLst>
-              <a:ext uri="{FF2B5EF4-FFF2-40B4-BE49-F238E27FC236}">
-                <a16:creationId xmlns:a16="http://schemas.microsoft.com/office/drawing/2014/main" id="{9D638B4F-2F4E-4676-953B-9A18FAF50DE6}"/>
+          <p:cNvPr id="27" name="Рисунок 26">
+            <a:extLst>
+              <a:ext uri="{FF2B5EF4-FFF2-40B4-BE49-F238E27FC236}">
+                <a16:creationId xmlns:a16="http://schemas.microsoft.com/office/drawing/2014/main" id="{A6E87C8C-BB44-4572-9B71-5CFB1E28DD22}"/>
               </a:ext>
             </a:extLst>
           </p:cNvPr>
@@ -6286,8 +6350,8 @@
         </p:blipFill>
         <p:spPr>
           <a:xfrm>
-            <a:off x="2566916" y="4798057"/>
-            <a:ext cx="3188641" cy="1027033"/>
+            <a:off x="11260820" y="72616"/>
+            <a:ext cx="931180" cy="760147"/>
           </a:xfrm>
           <a:prstGeom prst="rect">
             <a:avLst/>
@@ -6296,10 +6360,10 @@
       </p:pic>
       <p:pic>
         <p:nvPicPr>
-          <p:cNvPr id="27" name="Рисунок 26">
-            <a:extLst>
-              <a:ext uri="{FF2B5EF4-FFF2-40B4-BE49-F238E27FC236}">
-                <a16:creationId xmlns:a16="http://schemas.microsoft.com/office/drawing/2014/main" id="{A6E87C8C-BB44-4572-9B71-5CFB1E28DD22}"/>
+          <p:cNvPr id="3" name="Рисунок 2">
+            <a:extLst>
+              <a:ext uri="{FF2B5EF4-FFF2-40B4-BE49-F238E27FC236}">
+                <a16:creationId xmlns:a16="http://schemas.microsoft.com/office/drawing/2014/main" id="{F00EB898-3AF2-4866-A756-201E58FF617A}"/>
               </a:ext>
             </a:extLst>
           </p:cNvPr>
@@ -6316,8 +6380,8 @@
         </p:blipFill>
         <p:spPr>
           <a:xfrm>
-            <a:off x="11199324" y="413814"/>
-            <a:ext cx="931180" cy="760147"/>
+            <a:off x="5924046" y="832763"/>
+            <a:ext cx="6144320" cy="5978647"/>
           </a:xfrm>
           <a:prstGeom prst="rect">
             <a:avLst/>
@@ -6516,10 +6580,10 @@
       </p:pic>
       <p:pic>
         <p:nvPicPr>
-          <p:cNvPr id="13" name="Рисунок 12">
-            <a:extLst>
-              <a:ext uri="{FF2B5EF4-FFF2-40B4-BE49-F238E27FC236}">
-                <a16:creationId xmlns:a16="http://schemas.microsoft.com/office/drawing/2014/main" id="{EEA31EEE-831B-4639-938F-1F996FD2399F}"/>
+          <p:cNvPr id="15" name="Рисунок 14">
+            <a:extLst>
+              <a:ext uri="{FF2B5EF4-FFF2-40B4-BE49-F238E27FC236}">
+                <a16:creationId xmlns:a16="http://schemas.microsoft.com/office/drawing/2014/main" id="{FE6675E0-37E3-4FBC-9488-DDA67CF48CD9}"/>
               </a:ext>
             </a:extLst>
           </p:cNvPr>
@@ -6542,8 +6606,8 @@
         </p:blipFill>
         <p:spPr>
           <a:xfrm>
-            <a:off x="6616087" y="1254625"/>
-            <a:ext cx="1236041" cy="1710413"/>
+            <a:off x="8482668" y="1254853"/>
+            <a:ext cx="2993472" cy="1496736"/>
           </a:xfrm>
           <a:prstGeom prst="rect">
             <a:avLst/>
@@ -6552,10 +6616,10 @@
       </p:pic>
       <p:pic>
         <p:nvPicPr>
-          <p:cNvPr id="15" name="Рисунок 14">
-            <a:extLst>
-              <a:ext uri="{FF2B5EF4-FFF2-40B4-BE49-F238E27FC236}">
-                <a16:creationId xmlns:a16="http://schemas.microsoft.com/office/drawing/2014/main" id="{FE6675E0-37E3-4FBC-9488-DDA67CF48CD9}"/>
+          <p:cNvPr id="17" name="Рисунок 16">
+            <a:extLst>
+              <a:ext uri="{FF2B5EF4-FFF2-40B4-BE49-F238E27FC236}">
+                <a16:creationId xmlns:a16="http://schemas.microsoft.com/office/drawing/2014/main" id="{5FA3A694-DF8D-48B6-8918-E1CDA3F0A8B4}"/>
               </a:ext>
             </a:extLst>
           </p:cNvPr>
@@ -6565,21 +6629,15 @@
           <p:nvPr/>
         </p:nvPicPr>
         <p:blipFill>
-          <a:blip r:embed="rId5">
-            <a:extLst>
-              <a:ext uri="{28A0092B-C50C-407E-A947-70E740481C1C}">
-                <a14:useLocalDpi xmlns:a14="http://schemas.microsoft.com/office/drawing/2010/main" val="0"/>
-              </a:ext>
-            </a:extLst>
-          </a:blip>
+          <a:blip r:embed="rId5"/>
           <a:stretch>
             <a:fillRect/>
           </a:stretch>
         </p:blipFill>
         <p:spPr>
           <a:xfrm>
-            <a:off x="8482668" y="1254853"/>
-            <a:ext cx="2993472" cy="1496736"/>
+            <a:off x="964493" y="2635062"/>
+            <a:ext cx="755404" cy="943553"/>
           </a:xfrm>
           <a:prstGeom prst="rect">
             <a:avLst/>
@@ -6588,10 +6646,10 @@
       </p:pic>
       <p:pic>
         <p:nvPicPr>
-          <p:cNvPr id="17" name="Рисунок 16">
-            <a:extLst>
-              <a:ext uri="{FF2B5EF4-FFF2-40B4-BE49-F238E27FC236}">
-                <a16:creationId xmlns:a16="http://schemas.microsoft.com/office/drawing/2014/main" id="{5FA3A694-DF8D-48B6-8918-E1CDA3F0A8B4}"/>
+          <p:cNvPr id="19" name="Рисунок 18">
+            <a:extLst>
+              <a:ext uri="{FF2B5EF4-FFF2-40B4-BE49-F238E27FC236}">
+                <a16:creationId xmlns:a16="http://schemas.microsoft.com/office/drawing/2014/main" id="{0F0FA456-5555-49D9-8E5E-AA2781DB4EC3}"/>
               </a:ext>
             </a:extLst>
           </p:cNvPr>
@@ -6608,8 +6666,8 @@
         </p:blipFill>
         <p:spPr>
           <a:xfrm>
-            <a:off x="964493" y="2635062"/>
-            <a:ext cx="755404" cy="943553"/>
+            <a:off x="677542" y="3697038"/>
+            <a:ext cx="1302260" cy="818748"/>
           </a:xfrm>
           <a:prstGeom prst="rect">
             <a:avLst/>
@@ -6618,10 +6676,10 @@
       </p:pic>
       <p:pic>
         <p:nvPicPr>
-          <p:cNvPr id="19" name="Рисунок 18">
-            <a:extLst>
-              <a:ext uri="{FF2B5EF4-FFF2-40B4-BE49-F238E27FC236}">
-                <a16:creationId xmlns:a16="http://schemas.microsoft.com/office/drawing/2014/main" id="{0F0FA456-5555-49D9-8E5E-AA2781DB4EC3}"/>
+          <p:cNvPr id="21" name="Рисунок 20">
+            <a:extLst>
+              <a:ext uri="{FF2B5EF4-FFF2-40B4-BE49-F238E27FC236}">
+                <a16:creationId xmlns:a16="http://schemas.microsoft.com/office/drawing/2014/main" id="{F854F272-9B3E-402F-B643-52836FA453BD}"/>
               </a:ext>
             </a:extLst>
           </p:cNvPr>
@@ -6638,8 +6696,8 @@
         </p:blipFill>
         <p:spPr>
           <a:xfrm>
-            <a:off x="677542" y="3697038"/>
-            <a:ext cx="1302260" cy="818748"/>
+            <a:off x="677542" y="4634209"/>
+            <a:ext cx="1180532" cy="1019743"/>
           </a:xfrm>
           <a:prstGeom prst="rect">
             <a:avLst/>
@@ -6648,10 +6706,10 @@
       </p:pic>
       <p:pic>
         <p:nvPicPr>
-          <p:cNvPr id="21" name="Рисунок 20">
-            <a:extLst>
-              <a:ext uri="{FF2B5EF4-FFF2-40B4-BE49-F238E27FC236}">
-                <a16:creationId xmlns:a16="http://schemas.microsoft.com/office/drawing/2014/main" id="{F854F272-9B3E-402F-B643-52836FA453BD}"/>
+          <p:cNvPr id="23" name="Рисунок 22">
+            <a:extLst>
+              <a:ext uri="{FF2B5EF4-FFF2-40B4-BE49-F238E27FC236}">
+                <a16:creationId xmlns:a16="http://schemas.microsoft.com/office/drawing/2014/main" id="{2E35A158-D357-4E94-BE06-F9B3007BF30C}"/>
               </a:ext>
             </a:extLst>
           </p:cNvPr>
@@ -6668,8 +6726,8 @@
         </p:blipFill>
         <p:spPr>
           <a:xfrm>
-            <a:off x="677542" y="4634209"/>
-            <a:ext cx="1180532" cy="1019743"/>
+            <a:off x="3275902" y="3019626"/>
+            <a:ext cx="1418512" cy="558990"/>
           </a:xfrm>
           <a:prstGeom prst="rect">
             <a:avLst/>
@@ -6678,10 +6736,10 @@
       </p:pic>
       <p:pic>
         <p:nvPicPr>
-          <p:cNvPr id="23" name="Рисунок 22">
-            <a:extLst>
-              <a:ext uri="{FF2B5EF4-FFF2-40B4-BE49-F238E27FC236}">
-                <a16:creationId xmlns:a16="http://schemas.microsoft.com/office/drawing/2014/main" id="{2E35A158-D357-4E94-BE06-F9B3007BF30C}"/>
+          <p:cNvPr id="25" name="Рисунок 24">
+            <a:extLst>
+              <a:ext uri="{FF2B5EF4-FFF2-40B4-BE49-F238E27FC236}">
+                <a16:creationId xmlns:a16="http://schemas.microsoft.com/office/drawing/2014/main" id="{606E502A-8B85-4A12-B2BB-E18FD496E27B}"/>
               </a:ext>
             </a:extLst>
           </p:cNvPr>
@@ -6698,8 +6756,8 @@
         </p:blipFill>
         <p:spPr>
           <a:xfrm>
-            <a:off x="3275902" y="3019626"/>
-            <a:ext cx="1418512" cy="558990"/>
+            <a:off x="206644" y="5875988"/>
+            <a:ext cx="3069257" cy="878945"/>
           </a:xfrm>
           <a:prstGeom prst="rect">
             <a:avLst/>
@@ -6708,10 +6766,10 @@
       </p:pic>
       <p:pic>
         <p:nvPicPr>
-          <p:cNvPr id="25" name="Рисунок 24">
-            <a:extLst>
-              <a:ext uri="{FF2B5EF4-FFF2-40B4-BE49-F238E27FC236}">
-                <a16:creationId xmlns:a16="http://schemas.microsoft.com/office/drawing/2014/main" id="{606E502A-8B85-4A12-B2BB-E18FD496E27B}"/>
+          <p:cNvPr id="27" name="Рисунок 26">
+            <a:extLst>
+              <a:ext uri="{FF2B5EF4-FFF2-40B4-BE49-F238E27FC236}">
+                <a16:creationId xmlns:a16="http://schemas.microsoft.com/office/drawing/2014/main" id="{77ED499A-DE5A-4317-B637-9488E8CA7F54}"/>
               </a:ext>
             </a:extLst>
           </p:cNvPr>
@@ -6728,8 +6786,8 @@
         </p:blipFill>
         <p:spPr>
           <a:xfrm>
-            <a:off x="206644" y="5875988"/>
-            <a:ext cx="3069257" cy="878945"/>
+            <a:off x="3571568" y="3745937"/>
+            <a:ext cx="1014413" cy="1019176"/>
           </a:xfrm>
           <a:prstGeom prst="rect">
             <a:avLst/>
@@ -6738,10 +6796,10 @@
       </p:pic>
       <p:pic>
         <p:nvPicPr>
-          <p:cNvPr id="27" name="Рисунок 26">
-            <a:extLst>
-              <a:ext uri="{FF2B5EF4-FFF2-40B4-BE49-F238E27FC236}">
-                <a16:creationId xmlns:a16="http://schemas.microsoft.com/office/drawing/2014/main" id="{77ED499A-DE5A-4317-B637-9488E8CA7F54}"/>
+          <p:cNvPr id="29" name="Рисунок 28">
+            <a:extLst>
+              <a:ext uri="{FF2B5EF4-FFF2-40B4-BE49-F238E27FC236}">
+                <a16:creationId xmlns:a16="http://schemas.microsoft.com/office/drawing/2014/main" id="{A78BFD2A-4B7C-4030-96AC-E6A195055EA9}"/>
               </a:ext>
             </a:extLst>
           </p:cNvPr>
@@ -6758,8 +6816,8 @@
         </p:blipFill>
         <p:spPr>
           <a:xfrm>
-            <a:off x="3571568" y="3745937"/>
-            <a:ext cx="1014413" cy="1019176"/>
+            <a:off x="3275901" y="4765114"/>
+            <a:ext cx="1473299" cy="222036"/>
           </a:xfrm>
           <a:prstGeom prst="rect">
             <a:avLst/>
@@ -6768,10 +6826,10 @@
       </p:pic>
       <p:pic>
         <p:nvPicPr>
-          <p:cNvPr id="29" name="Рисунок 28">
-            <a:extLst>
-              <a:ext uri="{FF2B5EF4-FFF2-40B4-BE49-F238E27FC236}">
-                <a16:creationId xmlns:a16="http://schemas.microsoft.com/office/drawing/2014/main" id="{A78BFD2A-4B7C-4030-96AC-E6A195055EA9}"/>
+          <p:cNvPr id="31" name="Рисунок 30">
+            <a:extLst>
+              <a:ext uri="{FF2B5EF4-FFF2-40B4-BE49-F238E27FC236}">
+                <a16:creationId xmlns:a16="http://schemas.microsoft.com/office/drawing/2014/main" id="{7D17EF9E-6560-4DCA-891A-9B4BAA3477A6}"/>
               </a:ext>
             </a:extLst>
           </p:cNvPr>
@@ -6788,8 +6846,8 @@
         </p:blipFill>
         <p:spPr>
           <a:xfrm>
-            <a:off x="3275901" y="4765114"/>
-            <a:ext cx="1473299" cy="222036"/>
+            <a:off x="3326539" y="5142467"/>
+            <a:ext cx="1504470" cy="400754"/>
           </a:xfrm>
           <a:prstGeom prst="rect">
             <a:avLst/>
@@ -6798,10 +6856,10 @@
       </p:pic>
       <p:pic>
         <p:nvPicPr>
-          <p:cNvPr id="31" name="Рисунок 30">
-            <a:extLst>
-              <a:ext uri="{FF2B5EF4-FFF2-40B4-BE49-F238E27FC236}">
-                <a16:creationId xmlns:a16="http://schemas.microsoft.com/office/drawing/2014/main" id="{7D17EF9E-6560-4DCA-891A-9B4BAA3477A6}"/>
+          <p:cNvPr id="33" name="Рисунок 32">
+            <a:extLst>
+              <a:ext uri="{FF2B5EF4-FFF2-40B4-BE49-F238E27FC236}">
+                <a16:creationId xmlns:a16="http://schemas.microsoft.com/office/drawing/2014/main" id="{ED96EE72-6004-4E86-8E8E-6B328F339D98}"/>
               </a:ext>
             </a:extLst>
           </p:cNvPr>
@@ -6818,8 +6876,8 @@
         </p:blipFill>
         <p:spPr>
           <a:xfrm>
-            <a:off x="3326539" y="5142467"/>
-            <a:ext cx="1504470" cy="400754"/>
+            <a:off x="3460096" y="5907513"/>
+            <a:ext cx="1370913" cy="701777"/>
           </a:xfrm>
           <a:prstGeom prst="rect">
             <a:avLst/>
@@ -6828,10 +6886,10 @@
       </p:pic>
       <p:pic>
         <p:nvPicPr>
-          <p:cNvPr id="33" name="Рисунок 32">
-            <a:extLst>
-              <a:ext uri="{FF2B5EF4-FFF2-40B4-BE49-F238E27FC236}">
-                <a16:creationId xmlns:a16="http://schemas.microsoft.com/office/drawing/2014/main" id="{ED96EE72-6004-4E86-8E8E-6B328F339D98}"/>
+          <p:cNvPr id="36" name="Рисунок 35">
+            <a:extLst>
+              <a:ext uri="{FF2B5EF4-FFF2-40B4-BE49-F238E27FC236}">
+                <a16:creationId xmlns:a16="http://schemas.microsoft.com/office/drawing/2014/main" id="{00659DA3-553C-4B81-A0CD-49440BC871AC}"/>
               </a:ext>
             </a:extLst>
           </p:cNvPr>
@@ -6848,8 +6906,8 @@
         </p:blipFill>
         <p:spPr>
           <a:xfrm>
-            <a:off x="3460096" y="5907513"/>
-            <a:ext cx="1370913" cy="701777"/>
+            <a:off x="6316910" y="3065777"/>
+            <a:ext cx="2165758" cy="312745"/>
           </a:xfrm>
           <a:prstGeom prst="rect">
             <a:avLst/>
@@ -6858,10 +6916,10 @@
       </p:pic>
       <p:pic>
         <p:nvPicPr>
-          <p:cNvPr id="36" name="Рисунок 35">
-            <a:extLst>
-              <a:ext uri="{FF2B5EF4-FFF2-40B4-BE49-F238E27FC236}">
-                <a16:creationId xmlns:a16="http://schemas.microsoft.com/office/drawing/2014/main" id="{00659DA3-553C-4B81-A0CD-49440BC871AC}"/>
+          <p:cNvPr id="38" name="Рисунок 37">
+            <a:extLst>
+              <a:ext uri="{FF2B5EF4-FFF2-40B4-BE49-F238E27FC236}">
+                <a16:creationId xmlns:a16="http://schemas.microsoft.com/office/drawing/2014/main" id="{45FE3366-358B-404A-8385-22C48F631E73}"/>
               </a:ext>
             </a:extLst>
           </p:cNvPr>
@@ -6878,8 +6936,8 @@
         </p:blipFill>
         <p:spPr>
           <a:xfrm>
-            <a:off x="6316910" y="3065777"/>
-            <a:ext cx="2165758" cy="312745"/>
+            <a:off x="6643308" y="3401019"/>
+            <a:ext cx="1495410" cy="340726"/>
           </a:xfrm>
           <a:prstGeom prst="rect">
             <a:avLst/>
@@ -6888,10 +6946,10 @@
       </p:pic>
       <p:pic>
         <p:nvPicPr>
-          <p:cNvPr id="38" name="Рисунок 37">
-            <a:extLst>
-              <a:ext uri="{FF2B5EF4-FFF2-40B4-BE49-F238E27FC236}">
-                <a16:creationId xmlns:a16="http://schemas.microsoft.com/office/drawing/2014/main" id="{45FE3366-358B-404A-8385-22C48F631E73}"/>
+          <p:cNvPr id="40" name="Рисунок 39">
+            <a:extLst>
+              <a:ext uri="{FF2B5EF4-FFF2-40B4-BE49-F238E27FC236}">
+                <a16:creationId xmlns:a16="http://schemas.microsoft.com/office/drawing/2014/main" id="{10F19B8E-2B2D-4D8B-9990-06B470796B43}"/>
               </a:ext>
             </a:extLst>
           </p:cNvPr>
@@ -6908,36 +6966,6 @@
         </p:blipFill>
         <p:spPr>
           <a:xfrm>
-            <a:off x="6643308" y="3401019"/>
-            <a:ext cx="1495410" cy="340726"/>
-          </a:xfrm>
-          <a:prstGeom prst="rect">
-            <a:avLst/>
-          </a:prstGeom>
-        </p:spPr>
-      </p:pic>
-      <p:pic>
-        <p:nvPicPr>
-          <p:cNvPr id="40" name="Рисунок 39">
-            <a:extLst>
-              <a:ext uri="{FF2B5EF4-FFF2-40B4-BE49-F238E27FC236}">
-                <a16:creationId xmlns:a16="http://schemas.microsoft.com/office/drawing/2014/main" id="{10F19B8E-2B2D-4D8B-9990-06B470796B43}"/>
-              </a:ext>
-            </a:extLst>
-          </p:cNvPr>
-          <p:cNvPicPr>
-            <a:picLocks noChangeAspect="1"/>
-          </p:cNvPicPr>
-          <p:nvPr/>
-        </p:nvPicPr>
-        <p:blipFill>
-          <a:blip r:embed="rId17"/>
-          <a:stretch>
-            <a:fillRect/>
-          </a:stretch>
-        </p:blipFill>
-        <p:spPr>
-          <a:xfrm>
             <a:off x="6748075" y="3963537"/>
             <a:ext cx="1285875" cy="285750"/>
           </a:xfrm>
@@ -6961,7 +6989,7 @@
           <p:nvPr/>
         </p:nvPicPr>
         <p:blipFill>
-          <a:blip r:embed="rId18"/>
+          <a:blip r:embed="rId17"/>
           <a:stretch>
             <a:fillRect/>
           </a:stretch>
@@ -7039,7 +7067,7 @@
           <p:nvPr/>
         </p:nvPicPr>
         <p:blipFill>
-          <a:blip r:embed="rId19"/>
+          <a:blip r:embed="rId18"/>
           <a:stretch>
             <a:fillRect/>
           </a:stretch>
@@ -7069,7 +7097,7 @@
           <p:nvPr/>
         </p:nvPicPr>
         <p:blipFill>
-          <a:blip r:embed="rId20">
+          <a:blip r:embed="rId19">
             <a:extLst>
               <a:ext uri="{28A0092B-C50C-407E-A947-70E740481C1C}">
                 <a14:useLocalDpi xmlns:a14="http://schemas.microsoft.com/office/drawing/2010/main" val="0"/>
@@ -7084,6 +7112,36 @@
           <a:xfrm>
             <a:off x="8975201" y="3825973"/>
             <a:ext cx="2653146" cy="1366370"/>
+          </a:xfrm>
+          <a:prstGeom prst="rect">
+            <a:avLst/>
+          </a:prstGeom>
+        </p:spPr>
+      </p:pic>
+      <p:pic>
+        <p:nvPicPr>
+          <p:cNvPr id="4" name="Рисунок 3">
+            <a:extLst>
+              <a:ext uri="{FF2B5EF4-FFF2-40B4-BE49-F238E27FC236}">
+                <a16:creationId xmlns:a16="http://schemas.microsoft.com/office/drawing/2014/main" id="{3573B214-0A28-4197-9E9F-981E7C3BAA27}"/>
+              </a:ext>
+            </a:extLst>
+          </p:cNvPr>
+          <p:cNvPicPr>
+            <a:picLocks noChangeAspect="1"/>
+          </p:cNvPicPr>
+          <p:nvPr/>
+        </p:nvPicPr>
+        <p:blipFill>
+          <a:blip r:embed="rId20"/>
+          <a:stretch>
+            <a:fillRect/>
+          </a:stretch>
+        </p:blipFill>
+        <p:spPr>
+          <a:xfrm>
+            <a:off x="5946964" y="1660321"/>
+            <a:ext cx="2428875" cy="685800"/>
           </a:xfrm>
           <a:prstGeom prst="rect">
             <a:avLst/>
